--- a/Poster/BDM_poster_newest.pptx
+++ b/Poster/BDM_poster_newest.pptx
@@ -466,7 +466,7 @@
               <a:pPr>
                 <a:defRPr/>
               </a:pPr>
-              <a:t>‹nr.›</a:t>
+              <a:t>‹#›</a:t>
             </a:fld>
             <a:endParaRPr lang="nl-NL"/>
           </a:p>
@@ -9432,8 +9432,8 @@
         </p:nvSpPr>
         <p:spPr bwMode="auto">
           <a:xfrm>
-            <a:off x="9901312" y="14113619"/>
-            <a:ext cx="10153128" cy="10788301"/>
+            <a:off x="9901312" y="14259397"/>
+            <a:ext cx="10947148" cy="10788301"/>
           </a:xfrm>
           <a:prstGeom prst="rect">
             <a:avLst/>
@@ -9481,37 +9481,29 @@
               <a:defRPr/>
             </a:pPr>
             <a:r>
-              <a:rPr lang="en-GB" sz="2400" dirty="0">
+              <a:rPr lang="en-US" sz="2400" dirty="0">
                 <a:effectLst/>
                 <a:latin typeface="Arial" panose="020B0604020202020204" pitchFamily="34" charset="0"/>
                 <a:ea typeface="Calibri" panose="020F0502020204030204" pitchFamily="34" charset="0"/>
               </a:rPr>
-              <a:t>The sketch is created by storing each vector with a hash function. Different functions are applied on the sketch to get the aggregated variance. Dyadic intervals are used to get the triples which are below a certain tau threshold. We give the sketch the width and depth calculated with the following formula. The update </a:t>
+              <a:t>A Count-min sketch is a list that we update for each vector. For each vector, we store the key, position, and value. Each vector list is hashed to create the sketch. Because the actual values are compressed into this w by d matrix, estimating the results is less computationally expensive. A </a:t>
             </a:r>
             <a:r>
-              <a:rPr lang="en-GB" sz="2400" dirty="0" err="1">
+              <a:rPr lang="en-US" sz="2400" dirty="0" err="1">
                 <a:effectLst/>
                 <a:latin typeface="Arial" panose="020B0604020202020204" pitchFamily="34" charset="0"/>
                 <a:ea typeface="Calibri" panose="020F0502020204030204" pitchFamily="34" charset="0"/>
               </a:rPr>
-              <a:t>cms</a:t>
+              <a:t>Hashmap</a:t>
             </a:r>
             <a:r>
-              <a:rPr lang="en-GB" sz="2400" dirty="0">
+              <a:rPr lang="en-US" sz="2400" dirty="0">
                 <a:effectLst/>
                 <a:latin typeface="Arial" panose="020B0604020202020204" pitchFamily="34" charset="0"/>
                 <a:ea typeface="Calibri" panose="020F0502020204030204" pitchFamily="34" charset="0"/>
               </a:rPr>
-              <a:t> function add the vector to the hash table. The add function in the sketch adds the vector values based on position.</a:t>
+              <a:t> is used to match the index of a count-min sketch to the key to the vector. The broadcast function is used to keep a variable cached on each machine which reduces communication costs between nodes. We get the aggregated variance by applying a cartesian and getting the value based on the position for the sketch. A filter function is used to get the triples that are below a certain threshold. </a:t>
             </a:r>
-          </a:p>
-          <a:p>
-            <a:pPr defTabSz="2949575">
-              <a:lnSpc>
-                <a:spcPts val="3200"/>
-              </a:lnSpc>
-              <a:defRPr/>
-            </a:pPr>
             <a:endParaRPr lang="en-GB" sz="2400" dirty="0">
               <a:effectLst/>
               <a:latin typeface="Arial" panose="020B0604020202020204" pitchFamily="34" charset="0"/>
@@ -9764,26 +9756,6 @@
             </a:endParaRPr>
           </a:p>
           <a:p>
-            <a:pPr defTabSz="2949575">
-              <a:lnSpc>
-                <a:spcPts val="3200"/>
-              </a:lnSpc>
-              <a:defRPr/>
-            </a:pPr>
-            <a:r>
-              <a:rPr lang="en-US" sz="1800" kern="1200" dirty="0">
-                <a:solidFill>
-                  <a:srgbClr val="000000"/>
-                </a:solidFill>
-                <a:effectLst/>
-                <a:latin typeface="Calibri" panose="020F0502020204030204" pitchFamily="34" charset="0"/>
-                <a:ea typeface="ＭＳ Ｐゴシック" panose="020B0600070205080204" pitchFamily="34" charset="-128"/>
-                <a:cs typeface="+mn-cs"/>
-              </a:rPr>
-              <a:t>Figure 1, Figure description</a:t>
-            </a:r>
-          </a:p>
-          <a:p>
             <a:pPr marL="0" marR="0" lvl="0" indent="0" algn="l" defTabSz="2949575" rtl="0" eaLnBrk="1" fontAlgn="base" latinLnBrk="0" hangingPunct="1">
               <a:lnSpc>
                 <a:spcPts val="3200"/>
@@ -9900,67 +9872,6 @@
               </a:rPr>
               <a:t>Ethical and other aspects</a:t>
             </a:r>
-          </a:p>
-          <a:p>
-            <a:pPr marL="0" marR="0" lvl="0" indent="0" algn="l" defTabSz="2949575" rtl="0" eaLnBrk="1" fontAlgn="base" latinLnBrk="0" hangingPunct="1">
-              <a:lnSpc>
-                <a:spcPts val="3200"/>
-              </a:lnSpc>
-              <a:spcBef>
-                <a:spcPct val="0"/>
-              </a:spcBef>
-              <a:spcAft>
-                <a:spcPct val="0"/>
-              </a:spcAft>
-              <a:buClrTx/>
-              <a:buSzTx/>
-              <a:buFontTx/>
-              <a:buNone/>
-              <a:tabLst/>
-              <a:defRPr/>
-            </a:pPr>
-            <a:r>
-              <a:rPr kumimoji="0" lang="en-US" sz="2400" b="1" i="0" u="none" strike="noStrike" kern="1200" cap="none" spc="0" normalizeH="0" baseline="0" noProof="0" dirty="0">
-                <a:ln>
-                  <a:noFill/>
-                </a:ln>
-                <a:solidFill>
-                  <a:srgbClr val="000000"/>
-                </a:solidFill>
-                <a:effectLst/>
-                <a:uLnTx/>
-                <a:uFillTx/>
-                <a:latin typeface="Calibri" charset="0"/>
-                <a:ea typeface="ＭＳ Ｐゴシック" charset="-128"/>
-                <a:cs typeface="+mn-cs"/>
-              </a:rPr>
-              <a:t>Bold</a:t>
-            </a:r>
-            <a:endParaRPr lang="en-US" sz="4400" b="1" dirty="0">
-              <a:solidFill>
-                <a:srgbClr val="0066CC"/>
-              </a:solidFill>
-              <a:latin typeface="Calibri" charset="0"/>
-            </a:endParaRPr>
-          </a:p>
-          <a:p>
-            <a:pPr marL="0" marR="0" lvl="0" indent="0" algn="l" defTabSz="2949575" rtl="0" eaLnBrk="1" fontAlgn="base" latinLnBrk="0" hangingPunct="1">
-              <a:lnSpc>
-                <a:spcPts val="3200"/>
-              </a:lnSpc>
-              <a:spcBef>
-                <a:spcPct val="0"/>
-              </a:spcBef>
-              <a:spcAft>
-                <a:spcPct val="0"/>
-              </a:spcAft>
-              <a:buClrTx/>
-              <a:buSzTx/>
-              <a:buFontTx/>
-              <a:buNone/>
-              <a:tabLst/>
-              <a:defRPr/>
-            </a:pPr>
             <a:endParaRPr lang="en-US" sz="2400" dirty="0">
               <a:solidFill>
                 <a:srgbClr val="000000"/>

--- a/Poster/BDM_poster_newest.pptx
+++ b/Poster/BDM_poster_newest.pptx
@@ -9839,8 +9839,8 @@
         </p:nvSpPr>
         <p:spPr bwMode="auto">
           <a:xfrm>
-            <a:off x="11398819" y="24062585"/>
-            <a:ext cx="9449641" cy="6144819"/>
+            <a:off x="10693400" y="25602866"/>
+            <a:ext cx="10693400" cy="6144819"/>
           </a:xfrm>
           <a:prstGeom prst="rect">
             <a:avLst/>
@@ -10551,6 +10551,42 @@
           </a:p>
         </p:txBody>
       </p:sp>
+      <p:pic>
+        <p:nvPicPr>
+          <p:cNvPr id="9" name="Picture 8" descr="Diagram&#10;&#10;Description automatically generated">
+            <a:extLst>
+              <a:ext uri="{FF2B5EF4-FFF2-40B4-BE49-F238E27FC236}">
+                <a16:creationId xmlns:a16="http://schemas.microsoft.com/office/drawing/2014/main" id="{62D3B51E-22A9-D98A-E8FE-AC5A3428B177}"/>
+              </a:ext>
+            </a:extLst>
+          </p:cNvPr>
+          <p:cNvPicPr>
+            <a:picLocks noChangeAspect="1"/>
+          </p:cNvPicPr>
+          <p:nvPr/>
+        </p:nvPicPr>
+        <p:blipFill>
+          <a:blip r:embed="rId4">
+            <a:extLst>
+              <a:ext uri="{28A0092B-C50C-407E-A947-70E740481C1C}">
+                <a14:useLocalDpi xmlns:a14="http://schemas.microsoft.com/office/drawing/2010/main" val="0"/>
+              </a:ext>
+            </a:extLst>
+          </a:blip>
+          <a:stretch>
+            <a:fillRect/>
+          </a:stretch>
+        </p:blipFill>
+        <p:spPr>
+          <a:xfrm>
+            <a:off x="9924753" y="22186623"/>
+            <a:ext cx="11055420" cy="2062472"/>
+          </a:xfrm>
+          <a:prstGeom prst="rect">
+            <a:avLst/>
+          </a:prstGeom>
+        </p:spPr>
+      </p:pic>
     </p:spTree>
   </p:cSld>
   <p:clrMapOvr>

--- a/Poster/BDM_poster_newest.pptx
+++ b/Poster/BDM_poster_newest.pptx
@@ -7532,7 +7532,14 @@
                 <a:latin typeface="Arial" panose="020B0604020202020204" pitchFamily="34" charset="0"/>
                 <a:ea typeface="Calibri" panose="020F0502020204030204" pitchFamily="34" charset="0"/>
               </a:rPr>
-              <a:t>t optimization techniques have been applied to the Python version like indexing, repartition and storing in temporary view.</a:t>
+              <a:t>t optimization techniques have been applied to the Python version like indexing, repartition and storing in temporary view. The execution time for </a:t>
+            </a:r>
+            <a:r>
+              <a:rPr lang="en-GB" sz="2400">
+                <a:latin typeface="Arial" panose="020B0604020202020204" pitchFamily="34" charset="0"/>
+                <a:ea typeface="Calibri" panose="020F0502020204030204" pitchFamily="34" charset="0"/>
+              </a:rPr>
+              <a:t>the cluster is 1766 seconds.</a:t>
             </a:r>
             <a:endParaRPr lang="en-NL" sz="2400" dirty="0">
               <a:effectLst/>

--- a/Poster/BDM_poster_newest.pptx
+++ b/Poster/BDM_poster_newest.pptx
@@ -10236,7 +10236,7 @@
         </p:blipFill>
         <p:spPr>
           <a:xfrm>
-            <a:off x="9742554" y="23122727"/>
+            <a:off x="9742554" y="23266743"/>
             <a:ext cx="11536022" cy="2152132"/>
           </a:xfrm>
           <a:prstGeom prst="rect">

--- a/Poster/BDM_poster_newest.pptx
+++ b/Poster/BDM_poster_newest.pptx
@@ -466,7 +466,7 @@
               <a:pPr>
                 <a:defRPr/>
               </a:pPr>
-              <a:t>‹nr.›</a:t>
+              <a:t>‹#›</a:t>
             </a:fld>
             <a:endParaRPr lang="nl-NL"/>
           </a:p>
@@ -7628,6 +7628,23 @@
                 <a:ea typeface="Calibri" panose="020F0502020204030204" pitchFamily="34" charset="0"/>
               </a:rPr>
               <a:t>Converting the codebase to java</a:t>
+            </a:r>
+          </a:p>
+          <a:p>
+            <a:pPr marL="342900" indent="-342900" defTabSz="2949575">
+              <a:lnSpc>
+                <a:spcPts val="3200"/>
+              </a:lnSpc>
+              <a:buFont typeface="Arial" panose="020B0604020202020204" pitchFamily="34" charset="0"/>
+              <a:buChar char="•"/>
+              <a:defRPr/>
+            </a:pPr>
+            <a:r>
+              <a:rPr lang="en-GB" sz="2400" dirty="0">
+                <a:latin typeface="Arial" panose="020B0604020202020204" pitchFamily="34" charset="0"/>
+                <a:ea typeface="Calibri" panose="020F0502020204030204" pitchFamily="34" charset="0"/>
+              </a:rPr>
+              <a:t>Execution time: 543 seconds</a:t>
             </a:r>
           </a:p>
           <a:p>
@@ -9318,10 +9335,34 @@
                 <a:latin typeface="Arial" panose="020B0604020202020204" pitchFamily="34" charset="0"/>
                 <a:ea typeface="Calibri" panose="020F0502020204030204" pitchFamily="34" charset="0"/>
               </a:rPr>
-              <a:t>A Count-min sketch is a list that we update for each vector. For each vector, we store the key, position, and value. Each vector list is hashed to create the sketch. Because the actual values are compressed into this w by d matrix, estimating the results is less computationally expensive. A </a:t>
+              <a:t>A Count-min sketch is a list that we update for each vector.</a:t>
             </a:r>
             <a:r>
-              <a:rPr lang="en-US" sz="2400" dirty="0" err="1">
+              <a:rPr lang="en-GB" sz="2400" dirty="0">
+                <a:effectLst/>
+                <a:latin typeface="Arial" panose="020B0604020202020204" pitchFamily="34" charset="0"/>
+                <a:ea typeface="Calibri" panose="020F0502020204030204" pitchFamily="34" charset="0"/>
+              </a:rPr>
+              <a:t> For each vector, we store all values in the CM sketch and hash them based on their position within the vector</a:t>
+            </a:r>
+            <a:r>
+              <a:rPr lang="en-US" sz="2400" dirty="0">
+                <a:effectLst/>
+                <a:latin typeface="Arial" panose="020B0604020202020204" pitchFamily="34" charset="0"/>
+                <a:ea typeface="Calibri" panose="020F0502020204030204" pitchFamily="34" charset="0"/>
+              </a:rPr>
+              <a:t>. Because the actual values are compressed into this w by d matrix, estimating the results is less computationally expensive and requires less storage. </a:t>
+            </a:r>
+            <a:r>
+              <a:rPr lang="en-GB" sz="2400" dirty="0">
+                <a:effectLst/>
+                <a:latin typeface="Arial" panose="020B0604020202020204" pitchFamily="34" charset="0"/>
+                <a:ea typeface="Calibri" panose="020F0502020204030204" pitchFamily="34" charset="0"/>
+              </a:rPr>
+              <a:t>A </a:t>
+            </a:r>
+            <a:r>
+              <a:rPr lang="en-GB" sz="2400" dirty="0" err="1">
                 <a:effectLst/>
                 <a:latin typeface="Arial" panose="020B0604020202020204" pitchFamily="34" charset="0"/>
                 <a:ea typeface="Calibri" panose="020F0502020204030204" pitchFamily="34" charset="0"/>
@@ -9329,12 +9370,19 @@
               <a:t>Hashmap</a:t>
             </a:r>
             <a:r>
-              <a:rPr lang="en-US" sz="2400" dirty="0">
+              <a:rPr lang="en-GB" sz="2400" dirty="0">
                 <a:effectLst/>
                 <a:latin typeface="Arial" panose="020B0604020202020204" pitchFamily="34" charset="0"/>
                 <a:ea typeface="Calibri" panose="020F0502020204030204" pitchFamily="34" charset="0"/>
               </a:rPr>
-              <a:t> is used to match the index of a count-min sketch to the key to the vector. The broadcast function is used to keep a variable cached on each machine which reduces communication costs between nodes. We get the aggregated variance by applying a cartesian and getting the value based on the position for the sketch. A filter function is used to get the triples that are below a certain threshold. </a:t>
+              <a:t> is created to map the ID of a vector to the corresponding count-min sketch. The broadcast function is used to send this variable to all workers from the driver which reduces communication costs between nodes.  The execution time is 82.62 seconds for epsilon </a:t>
+            </a:r>
+            <a:r>
+              <a:rPr lang="en-GB" sz="2400" dirty="0">
+                <a:latin typeface="Arial" panose="020B0604020202020204" pitchFamily="34" charset="0"/>
+                <a:ea typeface="Calibri" panose="020F0502020204030204" pitchFamily="34" charset="0"/>
+              </a:rPr>
+              <a:t>= 0.01, delta = 0.1 and tau = 200000.</a:t>
             </a:r>
             <a:endParaRPr lang="en-GB" sz="2400" dirty="0">
               <a:effectLst/>

--- a/Poster/BDM_poster_newest.pptx
+++ b/Poster/BDM_poster_newest.pptx
@@ -6889,7 +6889,7 @@
         </p:blipFill>
         <p:spPr>
           <a:xfrm>
-            <a:off x="5940872" y="10458949"/>
+            <a:off x="5992668" y="10218658"/>
             <a:ext cx="1873750" cy="1494430"/>
           </a:xfrm>
           <a:prstGeom prst="rect">
@@ -7099,7 +7099,7 @@
         </p:nvSpPr>
         <p:spPr bwMode="auto">
           <a:xfrm>
-            <a:off x="247949" y="7892941"/>
+            <a:off x="328815" y="7759577"/>
             <a:ext cx="9431683" cy="1396142"/>
           </a:xfrm>
           <a:prstGeom prst="rect">
@@ -7124,7 +7124,7 @@
               <a:defRPr/>
             </a:pPr>
             <a:r>
-              <a:rPr lang="en-US" sz="4400" b="1" dirty="0">
+              <a:rPr lang="en-US" sz="4000" b="1" dirty="0">
                 <a:solidFill>
                   <a:srgbClr val="0066CC"/>
                 </a:solidFill>
@@ -7212,8 +7212,8 @@
         </p:nvSpPr>
         <p:spPr bwMode="auto">
           <a:xfrm>
-            <a:off x="9901312" y="7920931"/>
-            <a:ext cx="11237538" cy="6552728"/>
+            <a:off x="8894542" y="7704715"/>
+            <a:ext cx="12502281" cy="5976856"/>
           </a:xfrm>
           <a:prstGeom prst="rect">
             <a:avLst/>
@@ -7426,8 +7426,8 @@
         </p:nvSpPr>
         <p:spPr bwMode="auto">
           <a:xfrm>
-            <a:off x="328134" y="12097395"/>
-            <a:ext cx="9501170" cy="4412800"/>
+            <a:off x="289302" y="11418073"/>
+            <a:ext cx="8389437" cy="4412800"/>
           </a:xfrm>
           <a:prstGeom prst="rect">
             <a:avLst/>
@@ -8169,13 +8169,13 @@
           <p:nvPr>
             <p:extLst>
               <p:ext uri="{D42A27DB-BD31-4B8C-83A1-F6EECF244321}">
-                <p14:modId xmlns:p14="http://schemas.microsoft.com/office/powerpoint/2010/main" val="2354914168"/>
+                <p14:modId xmlns:p14="http://schemas.microsoft.com/office/powerpoint/2010/main" val="1182640663"/>
               </p:ext>
             </p:extLst>
           </p:nvPr>
         </p:nvGraphicFramePr>
         <p:xfrm>
-          <a:off x="258453" y="8694719"/>
+          <a:off x="240286" y="8452327"/>
           <a:ext cx="4308810" cy="1547312"/>
         </p:xfrm>
         <a:graphic>
@@ -8688,7 +8688,7 @@
         </p:nvSpPr>
         <p:spPr bwMode="auto">
           <a:xfrm>
-            <a:off x="4683307" y="9468375"/>
+            <a:off x="4665140" y="9225983"/>
             <a:ext cx="432048" cy="360040"/>
           </a:xfrm>
           <a:prstGeom prst="rightArrow">
@@ -8760,13 +8760,13 @@
           <p:nvPr>
             <p:extLst>
               <p:ext uri="{D42A27DB-BD31-4B8C-83A1-F6EECF244321}">
-                <p14:modId xmlns:p14="http://schemas.microsoft.com/office/powerpoint/2010/main" val="3300597063"/>
+                <p14:modId xmlns:p14="http://schemas.microsoft.com/office/powerpoint/2010/main" val="2639486989"/>
               </p:ext>
             </p:extLst>
           </p:nvPr>
         </p:nvGraphicFramePr>
         <p:xfrm>
-          <a:off x="5337035" y="8671746"/>
+          <a:off x="5318868" y="8429354"/>
           <a:ext cx="3245278" cy="1625449"/>
         </p:xfrm>
         <a:graphic>
@@ -9281,8 +9281,8 @@
         </p:nvSpPr>
         <p:spPr bwMode="auto">
           <a:xfrm>
-            <a:off x="9901312" y="14342542"/>
-            <a:ext cx="10947148" cy="10788301"/>
+            <a:off x="8707909" y="13837706"/>
+            <a:ext cx="11953917" cy="10788301"/>
           </a:xfrm>
           <a:prstGeom prst="rect">
             <a:avLst/>
@@ -9408,8 +9408,8 @@
         </p:nvSpPr>
         <p:spPr bwMode="auto">
           <a:xfrm>
-            <a:off x="10693400" y="25602866"/>
-            <a:ext cx="10693400" cy="6144819"/>
+            <a:off x="9634456" y="25704431"/>
+            <a:ext cx="11571470" cy="5719035"/>
           </a:xfrm>
           <a:prstGeom prst="rect">
             <a:avLst/>
@@ -9697,7 +9697,7 @@
         </p:blipFill>
         <p:spPr>
           <a:xfrm>
-            <a:off x="9762951" y="8966703"/>
+            <a:off x="9757991" y="8852105"/>
             <a:ext cx="11583747" cy="1186476"/>
           </a:xfrm>
           <a:prstGeom prst="rect">
@@ -9733,8 +9733,8 @@
         </p:blipFill>
         <p:spPr>
           <a:xfrm>
-            <a:off x="363899" y="16201851"/>
-            <a:ext cx="8389437" cy="5592958"/>
+            <a:off x="-124520" y="15664679"/>
+            <a:ext cx="8389437" cy="5433962"/>
           </a:xfrm>
           <a:prstGeom prst="rect">
             <a:avLst/>
@@ -9755,8 +9755,8 @@
         </p:nvSpPr>
         <p:spPr>
           <a:xfrm>
-            <a:off x="287555" y="22162134"/>
-            <a:ext cx="9352469" cy="6664004"/>
+            <a:off x="243120" y="21381159"/>
+            <a:ext cx="8858376" cy="7468711"/>
           </a:xfrm>
           <a:prstGeom prst="rect">
             <a:avLst/>
@@ -10123,30 +10123,30 @@
               <a:t>}</a:t>
             </a:r>
             <a:br>
-              <a:rPr lang="en-US" sz="3200" dirty="0">
-                <a:latin typeface="Calibri" panose="020F0502020204030204" pitchFamily="34" charset="0"/>
-                <a:cs typeface="Calibri" panose="020F0502020204030204" pitchFamily="34" charset="0"/>
+              <a:rPr lang="en-US" sz="2400" dirty="0">
+                <a:latin typeface="Courier New" panose="02070309020205020404" pitchFamily="49" charset="0"/>
+                <a:cs typeface="Courier New" panose="02070309020205020404" pitchFamily="49" charset="0"/>
               </a:rPr>
             </a:br>
             <a:r>
-              <a:rPr lang="en-US" sz="3200" dirty="0">
+              <a:rPr lang="en-US" sz="2400" dirty="0">
                 <a:effectLst/>
-                <a:latin typeface="Calibri" panose="020F0502020204030204" pitchFamily="34" charset="0"/>
-                <a:cs typeface="Calibri" panose="020F0502020204030204" pitchFamily="34" charset="0"/>
+                <a:latin typeface="Courier New" panose="02070309020205020404" pitchFamily="49" charset="0"/>
+                <a:cs typeface="Courier New" panose="02070309020205020404" pitchFamily="49" charset="0"/>
               </a:rPr>
               <a:t>SELECT * FROM</a:t>
             </a:r>
             <a:br>
-              <a:rPr lang="en-US" sz="3200" dirty="0">
-                <a:latin typeface="Calibri" panose="020F0502020204030204" pitchFamily="34" charset="0"/>
-                <a:cs typeface="Calibri" panose="020F0502020204030204" pitchFamily="34" charset="0"/>
+              <a:rPr lang="en-US" sz="2400" dirty="0">
+                <a:latin typeface="Courier New" panose="02070309020205020404" pitchFamily="49" charset="0"/>
+                <a:cs typeface="Courier New" panose="02070309020205020404" pitchFamily="49" charset="0"/>
               </a:rPr>
             </a:br>
             <a:r>
-              <a:rPr lang="en-US" sz="3200" dirty="0">
+              <a:rPr lang="en-US" sz="2400" dirty="0">
                 <a:effectLst/>
-                <a:latin typeface="Calibri" panose="020F0502020204030204" pitchFamily="34" charset="0"/>
-                <a:cs typeface="Calibri" panose="020F0502020204030204" pitchFamily="34" charset="0"/>
+                <a:latin typeface="Courier New" panose="02070309020205020404" pitchFamily="49" charset="0"/>
+                <a:cs typeface="Courier New" panose="02070309020205020404" pitchFamily="49" charset="0"/>
               </a:rPr>
               <a:t>(SELECT v1INNER.key, v2.key, v3.key, </a:t>
             </a:r>
@@ -10170,88 +10170,88 @@
               <a:defRPr/>
             </a:pPr>
             <a:r>
-              <a:rPr lang="en-US" sz="3200" dirty="0" err="1">
+              <a:rPr lang="en-US" sz="2400" dirty="0" err="1">
                 <a:effectLst/>
-                <a:latin typeface="Calibri" panose="020F0502020204030204" pitchFamily="34" charset="0"/>
-                <a:cs typeface="Calibri" panose="020F0502020204030204" pitchFamily="34" charset="0"/>
+                <a:latin typeface="Courier New" panose="02070309020205020404" pitchFamily="49" charset="0"/>
+                <a:cs typeface="Courier New" panose="02070309020205020404" pitchFamily="49" charset="0"/>
               </a:rPr>
               <a:t>tripleVariance</a:t>
             </a:r>
             <a:r>
-              <a:rPr lang="en-US" sz="3200" dirty="0">
+              <a:rPr lang="en-US" sz="2400" dirty="0">
                 <a:effectLst/>
-                <a:latin typeface="Calibri" panose="020F0502020204030204" pitchFamily="34" charset="0"/>
-                <a:cs typeface="Calibri" panose="020F0502020204030204" pitchFamily="34" charset="0"/>
+                <a:latin typeface="Courier New" panose="02070309020205020404" pitchFamily="49" charset="0"/>
+                <a:cs typeface="Courier New" panose="02070309020205020404" pitchFamily="49" charset="0"/>
               </a:rPr>
               <a:t>(v1INNER.vec, v2.vec,v3.vec) AS variance</a:t>
             </a:r>
             <a:br>
-              <a:rPr lang="en-US" sz="3200" dirty="0">
-                <a:latin typeface="Calibri" panose="020F0502020204030204" pitchFamily="34" charset="0"/>
-                <a:cs typeface="Calibri" panose="020F0502020204030204" pitchFamily="34" charset="0"/>
+              <a:rPr lang="en-US" sz="2400" dirty="0">
+                <a:latin typeface="Courier New" panose="02070309020205020404" pitchFamily="49" charset="0"/>
+                <a:cs typeface="Courier New" panose="02070309020205020404" pitchFamily="49" charset="0"/>
               </a:rPr>
             </a:br>
             <a:r>
-              <a:rPr lang="en-US" sz="3200" dirty="0">
+              <a:rPr lang="en-US" sz="2400" dirty="0">
                 <a:effectLst/>
-                <a:latin typeface="Calibri" panose="020F0502020204030204" pitchFamily="34" charset="0"/>
-                <a:cs typeface="Calibri" panose="020F0502020204030204" pitchFamily="34" charset="0"/>
+                <a:latin typeface="Courier New" panose="02070309020205020404" pitchFamily="49" charset="0"/>
+                <a:cs typeface="Courier New" panose="02070309020205020404" pitchFamily="49" charset="0"/>
               </a:rPr>
               <a:t>FROM TEMP AS v1</a:t>
             </a:r>
             <a:br>
-              <a:rPr lang="en-US" sz="3200" dirty="0">
-                <a:latin typeface="Calibri" panose="020F0502020204030204" pitchFamily="34" charset="0"/>
-                <a:cs typeface="Calibri" panose="020F0502020204030204" pitchFamily="34" charset="0"/>
+              <a:rPr lang="en-US" sz="2400" dirty="0">
+                <a:latin typeface="Courier New" panose="02070309020205020404" pitchFamily="49" charset="0"/>
+                <a:cs typeface="Courier New" panose="02070309020205020404" pitchFamily="49" charset="0"/>
               </a:rPr>
             </a:br>
             <a:r>
-              <a:rPr lang="en-US" sz="3200" dirty="0">
+              <a:rPr lang="en-US" sz="2400" dirty="0">
                 <a:effectLst/>
-                <a:latin typeface="Calibri" panose="020F0502020204030204" pitchFamily="34" charset="0"/>
-                <a:cs typeface="Calibri" panose="020F0502020204030204" pitchFamily="34" charset="0"/>
+                <a:latin typeface="Courier New" panose="02070309020205020404" pitchFamily="49" charset="0"/>
+                <a:cs typeface="Courier New" panose="02070309020205020404" pitchFamily="49" charset="0"/>
               </a:rPr>
               <a:t>INNER JOIN TEMP AS v2 ON v1INNER.key &lt; v2.key</a:t>
             </a:r>
             <a:br>
-              <a:rPr lang="en-US" sz="3200" dirty="0">
-                <a:latin typeface="Calibri" panose="020F0502020204030204" pitchFamily="34" charset="0"/>
-                <a:cs typeface="Calibri" panose="020F0502020204030204" pitchFamily="34" charset="0"/>
+              <a:rPr lang="en-US" sz="2400" dirty="0">
+                <a:latin typeface="Courier New" panose="02070309020205020404" pitchFamily="49" charset="0"/>
+                <a:cs typeface="Courier New" panose="02070309020205020404" pitchFamily="49" charset="0"/>
               </a:rPr>
             </a:br>
             <a:r>
-              <a:rPr lang="en-US" sz="3200" dirty="0">
+              <a:rPr lang="en-US" sz="2400" dirty="0">
                 <a:effectLst/>
-                <a:latin typeface="Calibri" panose="020F0502020204030204" pitchFamily="34" charset="0"/>
-                <a:cs typeface="Calibri" panose="020F0502020204030204" pitchFamily="34" charset="0"/>
+                <a:latin typeface="Courier New" panose="02070309020205020404" pitchFamily="49" charset="0"/>
+                <a:cs typeface="Courier New" panose="02070309020205020404" pitchFamily="49" charset="0"/>
               </a:rPr>
               <a:t>INNER JOIN TEMP AS v3 ON v2.key &lt; v3.key)</a:t>
             </a:r>
             <a:br>
-              <a:rPr lang="en-US" sz="3200" dirty="0">
-                <a:latin typeface="Calibri" panose="020F0502020204030204" pitchFamily="34" charset="0"/>
-                <a:cs typeface="Calibri" panose="020F0502020204030204" pitchFamily="34" charset="0"/>
+              <a:rPr lang="en-US" sz="2400" dirty="0">
+                <a:latin typeface="Courier New" panose="02070309020205020404" pitchFamily="49" charset="0"/>
+                <a:cs typeface="Courier New" panose="02070309020205020404" pitchFamily="49" charset="0"/>
               </a:rPr>
             </a:br>
             <a:r>
-              <a:rPr lang="en-US" sz="3200" dirty="0">
+              <a:rPr lang="en-US" sz="2400" dirty="0">
                 <a:effectLst/>
-                <a:latin typeface="Calibri" panose="020F0502020204030204" pitchFamily="34" charset="0"/>
-                <a:cs typeface="Calibri" panose="020F0502020204030204" pitchFamily="34" charset="0"/>
+                <a:latin typeface="Courier New" panose="02070309020205020404" pitchFamily="49" charset="0"/>
+                <a:cs typeface="Courier New" panose="02070309020205020404" pitchFamily="49" charset="0"/>
               </a:rPr>
               <a:t>WHERE variance &lt; </a:t>
             </a:r>
             <a:r>
-              <a:rPr lang="en-US" sz="3200" dirty="0" err="1">
+              <a:rPr lang="en-US" sz="2400" dirty="0" err="1">
                 <a:effectLst/>
-                <a:latin typeface="Calibri" panose="020F0502020204030204" pitchFamily="34" charset="0"/>
-                <a:cs typeface="Calibri" panose="020F0502020204030204" pitchFamily="34" charset="0"/>
+                <a:latin typeface="Courier New" panose="02070309020205020404" pitchFamily="49" charset="0"/>
+                <a:cs typeface="Courier New" panose="02070309020205020404" pitchFamily="49" charset="0"/>
               </a:rPr>
               <a:t>tauParameter</a:t>
             </a:r>
-            <a:endParaRPr lang="en-GB" sz="3200" dirty="0">
-              <a:latin typeface="Calibri" panose="020F0502020204030204" pitchFamily="34" charset="0"/>
-              <a:cs typeface="Calibri" panose="020F0502020204030204" pitchFamily="34" charset="0"/>
+            <a:endParaRPr lang="en-GB" sz="2400" dirty="0">
+              <a:latin typeface="Courier New" panose="02070309020205020404" pitchFamily="49" charset="0"/>
+              <a:cs typeface="Courier New" panose="02070309020205020404" pitchFamily="49" charset="0"/>
             </a:endParaRPr>
           </a:p>
         </p:txBody>
@@ -10284,8 +10284,8 @@
         </p:blipFill>
         <p:spPr>
           <a:xfrm>
-            <a:off x="9742554" y="23266743"/>
-            <a:ext cx="11536022" cy="2152132"/>
+            <a:off x="8715818" y="21199019"/>
+            <a:ext cx="12470810" cy="2326524"/>
           </a:xfrm>
           <a:prstGeom prst="rect">
             <a:avLst/>
@@ -10306,7 +10306,7 @@
         </p:nvSpPr>
         <p:spPr bwMode="auto">
           <a:xfrm rot="16200000">
-            <a:off x="1872420" y="10568029"/>
+            <a:off x="1859846" y="10189183"/>
             <a:ext cx="432048" cy="360040"/>
           </a:xfrm>
           <a:prstGeom prst="rightArrow">
@@ -10379,7 +10379,7 @@
         </p:nvSpPr>
         <p:spPr bwMode="auto">
           <a:xfrm>
-            <a:off x="662530" y="11089283"/>
+            <a:off x="600157" y="10692771"/>
             <a:ext cx="3211868" cy="711172"/>
           </a:xfrm>
           <a:prstGeom prst="rect">
@@ -10473,7 +10473,7 @@
         </p:nvSpPr>
         <p:spPr bwMode="auto">
           <a:xfrm rot="5400000">
-            <a:off x="6743650" y="10499150"/>
+            <a:off x="6725483" y="10161071"/>
             <a:ext cx="432048" cy="360040"/>
           </a:xfrm>
           <a:prstGeom prst="rightArrow">
@@ -10552,8 +10552,8 @@
         </p:blipFill>
         <p:spPr>
           <a:xfrm>
-            <a:off x="9829303" y="18585181"/>
-            <a:ext cx="9982593" cy="4817470"/>
+            <a:off x="12006764" y="17153544"/>
+            <a:ext cx="9179864" cy="4430083"/>
           </a:xfrm>
           <a:prstGeom prst="rect">
             <a:avLst/>
@@ -10584,6 +10584,36 @@
           <a:xfrm>
             <a:off x="486252" y="648123"/>
             <a:ext cx="10783212" cy="4721196"/>
+          </a:xfrm>
+          <a:prstGeom prst="rect">
+            <a:avLst/>
+          </a:prstGeom>
+        </p:spPr>
+      </p:pic>
+      <p:pic>
+        <p:nvPicPr>
+          <p:cNvPr id="11" name="Picture 10">
+            <a:extLst>
+              <a:ext uri="{FF2B5EF4-FFF2-40B4-BE49-F238E27FC236}">
+                <a16:creationId xmlns:a16="http://schemas.microsoft.com/office/drawing/2014/main" id="{DCBB4981-9B37-A60A-9DD0-B25AA3D21A61}"/>
+              </a:ext>
+            </a:extLst>
+          </p:cNvPr>
+          <p:cNvPicPr>
+            <a:picLocks noChangeAspect="1"/>
+          </p:cNvPicPr>
+          <p:nvPr/>
+        </p:nvPicPr>
+        <p:blipFill>
+          <a:blip r:embed="rId8"/>
+          <a:stretch>
+            <a:fillRect/>
+          </a:stretch>
+        </p:blipFill>
+        <p:spPr>
+          <a:xfrm>
+            <a:off x="8519380" y="23560047"/>
+            <a:ext cx="12863686" cy="1761903"/>
           </a:xfrm>
           <a:prstGeom prst="rect">
             <a:avLst/>

--- a/Poster/BDM_poster_newest.pptx
+++ b/Poster/BDM_poster_newest.pptx
@@ -466,7 +466,7 @@
               <a:pPr>
                 <a:defRPr/>
               </a:pPr>
-              <a:t>‹#›</a:t>
+              <a:t>‹nr.›</a:t>
             </a:fld>
             <a:endParaRPr lang="nl-NL"/>
           </a:p>
@@ -6889,7 +6889,7 @@
         </p:blipFill>
         <p:spPr>
           <a:xfrm>
-            <a:off x="5992668" y="10218658"/>
+            <a:off x="6020810" y="10604119"/>
             <a:ext cx="1873750" cy="1494430"/>
           </a:xfrm>
           <a:prstGeom prst="rect">
@@ -7099,8 +7099,8 @@
         </p:nvSpPr>
         <p:spPr bwMode="auto">
           <a:xfrm>
-            <a:off x="328815" y="7759577"/>
-            <a:ext cx="9431683" cy="1396142"/>
+            <a:off x="316197" y="8014538"/>
+            <a:ext cx="8389438" cy="667115"/>
           </a:xfrm>
           <a:prstGeom prst="rect">
             <a:avLst/>
@@ -7212,8 +7212,8 @@
         </p:nvSpPr>
         <p:spPr bwMode="auto">
           <a:xfrm>
-            <a:off x="8894542" y="7704715"/>
-            <a:ext cx="12502281" cy="5976856"/>
+            <a:off x="8894542" y="8075835"/>
+            <a:ext cx="12502281" cy="5605736"/>
           </a:xfrm>
           <a:prstGeom prst="rect">
             <a:avLst/>
@@ -7243,23 +7243,8 @@
                 </a:solidFill>
                 <a:latin typeface="Calibri" charset="0"/>
               </a:rPr>
-              <a:t>Without </a:t>
+              <a:t>RDD Variant</a:t>
             </a:r>
-            <a:r>
-              <a:rPr lang="en-US" sz="4400" b="1" dirty="0" err="1">
-                <a:solidFill>
-                  <a:srgbClr val="0066CC"/>
-                </a:solidFill>
-                <a:latin typeface="Calibri" charset="0"/>
-              </a:rPr>
-              <a:t>SparkSQL</a:t>
-            </a:r>
-            <a:endParaRPr lang="en-US" sz="4400" b="1" dirty="0">
-              <a:solidFill>
-                <a:srgbClr val="0066CC"/>
-              </a:solidFill>
-              <a:latin typeface="Calibri" charset="0"/>
-            </a:endParaRPr>
           </a:p>
           <a:p>
             <a:pPr defTabSz="2949575">
@@ -7367,7 +7352,7 @@
               <a:defRPr/>
             </a:pPr>
             <a:r>
-              <a:rPr lang="en-GB" sz="2400" dirty="0">
+              <a:rPr lang="en-GB" sz="1800" dirty="0">
                 <a:effectLst/>
                 <a:latin typeface="Arial" panose="020B0604020202020204" pitchFamily="34" charset="0"/>
                 <a:ea typeface="Calibri" panose="020F0502020204030204" pitchFamily="34" charset="0"/>
@@ -7375,21 +7360,21 @@
               <a:t>The architecture uses two paths; one creates a broadcast variable that stores the vectors for each key, and the other finds the triples of the keys. </a:t>
             </a:r>
             <a:r>
-              <a:rPr lang="en-GB" sz="2400" dirty="0">
+              <a:rPr lang="en-GB" sz="1800" dirty="0">
                 <a:latin typeface="Arial" panose="020B0604020202020204" pitchFamily="34" charset="0"/>
                 <a:ea typeface="Calibri" panose="020F0502020204030204" pitchFamily="34" charset="0"/>
               </a:rPr>
               <a:t>Combining the paths, it is possible to compute the aggregated variance of the triples. Finally, only the triples that are at most tau remain and are counted. Optimization is performed by switching from python to java. Together with swapping the cartesian() methods with </a:t>
             </a:r>
             <a:r>
-              <a:rPr lang="en-GB" sz="2400" dirty="0" err="1">
+              <a:rPr lang="en-GB" sz="1800" dirty="0" err="1">
                 <a:latin typeface="Arial" panose="020B0604020202020204" pitchFamily="34" charset="0"/>
                 <a:ea typeface="Calibri" panose="020F0502020204030204" pitchFamily="34" charset="0"/>
               </a:rPr>
               <a:t>flatmap</a:t>
             </a:r>
             <a:r>
-              <a:rPr lang="en-GB" sz="2400" dirty="0">
+              <a:rPr lang="en-GB" sz="1800" dirty="0">
                 <a:latin typeface="Arial" panose="020B0604020202020204" pitchFamily="34" charset="0"/>
                 <a:ea typeface="Calibri" panose="020F0502020204030204" pitchFamily="34" charset="0"/>
               </a:rPr>
@@ -7426,7 +7411,7 @@
         </p:nvSpPr>
         <p:spPr bwMode="auto">
           <a:xfrm>
-            <a:off x="289302" y="11418073"/>
+            <a:off x="318472" y="12400194"/>
             <a:ext cx="8389437" cy="4412800"/>
           </a:xfrm>
           <a:prstGeom prst="rect">
@@ -7459,12 +7444,15 @@
               </a:rPr>
               <a:t>SparkSQL</a:t>
             </a:r>
-            <a:endParaRPr lang="en-US" sz="4400" b="1" dirty="0">
-              <a:solidFill>
-                <a:srgbClr val="0066CC"/>
-              </a:solidFill>
-              <a:latin typeface="Calibri" charset="0"/>
-            </a:endParaRPr>
+            <a:r>
+              <a:rPr lang="en-US" sz="4400" b="1" dirty="0">
+                <a:solidFill>
+                  <a:srgbClr val="0066CC"/>
+                </a:solidFill>
+                <a:latin typeface="Calibri" charset="0"/>
+              </a:rPr>
+              <a:t> Variant</a:t>
+            </a:r>
           </a:p>
           <a:p>
             <a:pPr marL="342900" indent="-342900" defTabSz="2949575">
@@ -7476,7 +7464,7 @@
               <a:defRPr/>
             </a:pPr>
             <a:r>
-              <a:rPr lang="en-GB" sz="2400" dirty="0">
+              <a:rPr lang="en-GB" sz="1800" dirty="0">
                 <a:effectLst/>
                 <a:latin typeface="Arial" panose="020B0604020202020204" pitchFamily="34" charset="0"/>
                 <a:ea typeface="Calibri" panose="020F0502020204030204" pitchFamily="34" charset="0"/>
@@ -7484,7 +7472,7 @@
               <a:t>UDF</a:t>
             </a:r>
             <a:r>
-              <a:rPr lang="en-GB" sz="2400" dirty="0">
+              <a:rPr lang="en-GB" sz="1800" dirty="0">
                 <a:latin typeface="Arial" panose="020B0604020202020204" pitchFamily="34" charset="0"/>
                 <a:ea typeface="Calibri" panose="020F0502020204030204" pitchFamily="34" charset="0"/>
               </a:rPr>
@@ -7501,7 +7489,7 @@
               <a:defRPr/>
             </a:pPr>
             <a:r>
-              <a:rPr lang="en-GB" sz="2400" dirty="0">
+              <a:rPr lang="en-GB" sz="1800" dirty="0">
                 <a:latin typeface="Arial" panose="020B0604020202020204" pitchFamily="34" charset="0"/>
                 <a:ea typeface="Calibri" panose="020F0502020204030204" pitchFamily="34" charset="0"/>
               </a:rPr>
@@ -7518,7 +7506,7 @@
               <a:defRPr/>
             </a:pPr>
             <a:r>
-              <a:rPr lang="en-GB" sz="2400" dirty="0">
+              <a:rPr lang="en-GB" sz="1800" dirty="0">
                 <a:effectLst/>
                 <a:latin typeface="Arial" panose="020B0604020202020204" pitchFamily="34" charset="0"/>
                 <a:ea typeface="Calibri" panose="020F0502020204030204" pitchFamily="34" charset="0"/>
@@ -7536,13 +7524,13 @@
               <a:defRPr/>
             </a:pPr>
             <a:r>
-              <a:rPr lang="en-GB" sz="2400" dirty="0">
+              <a:rPr lang="en-GB" sz="1800" dirty="0">
                 <a:latin typeface="Arial" panose="020B0604020202020204" pitchFamily="34" charset="0"/>
                 <a:ea typeface="Calibri" panose="020F0502020204030204" pitchFamily="34" charset="0"/>
               </a:rPr>
               <a:t>Explain method: shows smaller broadcast joins</a:t>
             </a:r>
-            <a:endParaRPr lang="en-GB" sz="2400" dirty="0">
+            <a:endParaRPr lang="en-GB" sz="1800" dirty="0">
               <a:effectLst/>
               <a:latin typeface="Arial" panose="020B0604020202020204" pitchFamily="34" charset="0"/>
               <a:ea typeface="Calibri" panose="020F0502020204030204" pitchFamily="34" charset="0"/>
@@ -7558,7 +7546,7 @@
               <a:defRPr/>
             </a:pPr>
             <a:r>
-              <a:rPr lang="en-GB" sz="2400" dirty="0">
+              <a:rPr lang="en-GB" sz="1800" dirty="0">
                 <a:latin typeface="Arial" panose="020B0604020202020204" pitchFamily="34" charset="0"/>
                 <a:ea typeface="Calibri" panose="020F0502020204030204" pitchFamily="34" charset="0"/>
               </a:rPr>
@@ -7575,21 +7563,21 @@
               <a:defRPr/>
             </a:pPr>
             <a:r>
-              <a:rPr lang="en-GB" sz="2400" dirty="0">
+              <a:rPr lang="en-GB" sz="1800" dirty="0">
                 <a:latin typeface="Arial" panose="020B0604020202020204" pitchFamily="34" charset="0"/>
                 <a:ea typeface="Calibri" panose="020F0502020204030204" pitchFamily="34" charset="0"/>
               </a:rPr>
               <a:t>‘</a:t>
             </a:r>
             <a:r>
-              <a:rPr lang="en-GB" sz="2400" dirty="0" err="1">
+              <a:rPr lang="en-GB" sz="1800" dirty="0" err="1">
                 <a:latin typeface="Arial" panose="020B0604020202020204" pitchFamily="34" charset="0"/>
                 <a:ea typeface="Calibri" panose="020F0502020204030204" pitchFamily="34" charset="0"/>
               </a:rPr>
               <a:t>Posexplode</a:t>
             </a:r>
             <a:r>
-              <a:rPr lang="en-GB" sz="2400" dirty="0">
+              <a:rPr lang="en-GB" sz="1800" dirty="0">
                 <a:latin typeface="Arial" panose="020B0604020202020204" pitchFamily="34" charset="0"/>
                 <a:ea typeface="Calibri" panose="020F0502020204030204" pitchFamily="34" charset="0"/>
               </a:rPr>
@@ -7606,7 +7594,7 @@
               <a:defRPr/>
             </a:pPr>
             <a:r>
-              <a:rPr lang="en-GB" sz="2400" dirty="0">
+              <a:rPr lang="en-GB" sz="1800" dirty="0">
                 <a:latin typeface="Arial" panose="020B0604020202020204" pitchFamily="34" charset="0"/>
                 <a:ea typeface="Calibri" panose="020F0502020204030204" pitchFamily="34" charset="0"/>
               </a:rPr>
@@ -7623,7 +7611,7 @@
               <a:defRPr/>
             </a:pPr>
             <a:r>
-              <a:rPr lang="en-GB" sz="2400" dirty="0">
+              <a:rPr lang="en-GB" sz="1800" dirty="0">
                 <a:latin typeface="Arial" panose="020B0604020202020204" pitchFamily="34" charset="0"/>
                 <a:ea typeface="Calibri" panose="020F0502020204030204" pitchFamily="34" charset="0"/>
               </a:rPr>
@@ -7640,7 +7628,7 @@
               <a:defRPr/>
             </a:pPr>
             <a:r>
-              <a:rPr lang="en-GB" sz="2400" dirty="0">
+              <a:rPr lang="en-GB" sz="1800" dirty="0">
                 <a:latin typeface="Arial" panose="020B0604020202020204" pitchFamily="34" charset="0"/>
                 <a:ea typeface="Calibri" panose="020F0502020204030204" pitchFamily="34" charset="0"/>
               </a:rPr>
@@ -8169,13 +8157,13 @@
           <p:nvPr>
             <p:extLst>
               <p:ext uri="{D42A27DB-BD31-4B8C-83A1-F6EECF244321}">
-                <p14:modId xmlns:p14="http://schemas.microsoft.com/office/powerpoint/2010/main" val="1182640663"/>
+                <p14:modId xmlns:p14="http://schemas.microsoft.com/office/powerpoint/2010/main" val="970290453"/>
               </p:ext>
             </p:extLst>
           </p:nvPr>
         </p:nvGraphicFramePr>
         <p:xfrm>
-          <a:off x="240286" y="8452327"/>
+          <a:off x="268428" y="8837788"/>
           <a:ext cx="4308810" cy="1547312"/>
         </p:xfrm>
         <a:graphic>
@@ -8688,7 +8676,7 @@
         </p:nvSpPr>
         <p:spPr bwMode="auto">
           <a:xfrm>
-            <a:off x="4665140" y="9225983"/>
+            <a:off x="4693282" y="9611444"/>
             <a:ext cx="432048" cy="360040"/>
           </a:xfrm>
           <a:prstGeom prst="rightArrow">
@@ -8760,13 +8748,13 @@
           <p:nvPr>
             <p:extLst>
               <p:ext uri="{D42A27DB-BD31-4B8C-83A1-F6EECF244321}">
-                <p14:modId xmlns:p14="http://schemas.microsoft.com/office/powerpoint/2010/main" val="2639486989"/>
+                <p14:modId xmlns:p14="http://schemas.microsoft.com/office/powerpoint/2010/main" val="1572663847"/>
               </p:ext>
             </p:extLst>
           </p:nvPr>
         </p:nvGraphicFramePr>
         <p:xfrm>
-          <a:off x="5318868" y="8429354"/>
+          <a:off x="5347010" y="8814815"/>
           <a:ext cx="3245278" cy="1625449"/>
         </p:xfrm>
         <a:graphic>
@@ -9330,7 +9318,7 @@
               <a:defRPr/>
             </a:pPr>
             <a:r>
-              <a:rPr lang="en-US" sz="2400" dirty="0">
+              <a:rPr lang="en-US" sz="1800" dirty="0">
                 <a:effectLst/>
                 <a:latin typeface="Arial" panose="020B0604020202020204" pitchFamily="34" charset="0"/>
                 <a:ea typeface="Calibri" panose="020F0502020204030204" pitchFamily="34" charset="0"/>
@@ -9338,7 +9326,7 @@
               <a:t>A Count-min sketch is a list that we update for each vector.</a:t>
             </a:r>
             <a:r>
-              <a:rPr lang="en-GB" sz="2400" dirty="0">
+              <a:rPr lang="en-GB" sz="1800" dirty="0">
                 <a:effectLst/>
                 <a:latin typeface="Arial" panose="020B0604020202020204" pitchFamily="34" charset="0"/>
                 <a:ea typeface="Calibri" panose="020F0502020204030204" pitchFamily="34" charset="0"/>
@@ -9346,7 +9334,7 @@
               <a:t> For each vector, we store all values in the CM sketch and hash them based on their position within the vector</a:t>
             </a:r>
             <a:r>
-              <a:rPr lang="en-US" sz="2400" dirty="0">
+              <a:rPr lang="en-US" sz="1800" dirty="0">
                 <a:effectLst/>
                 <a:latin typeface="Arial" panose="020B0604020202020204" pitchFamily="34" charset="0"/>
                 <a:ea typeface="Calibri" panose="020F0502020204030204" pitchFamily="34" charset="0"/>
@@ -9354,7 +9342,7 @@
               <a:t>. Because the actual values are compressed into this w by d matrix, estimating the results is less computationally expensive and requires less storage. </a:t>
             </a:r>
             <a:r>
-              <a:rPr lang="en-GB" sz="2400" dirty="0">
+              <a:rPr lang="en-GB" sz="1800" dirty="0">
                 <a:effectLst/>
                 <a:latin typeface="Arial" panose="020B0604020202020204" pitchFamily="34" charset="0"/>
                 <a:ea typeface="Calibri" panose="020F0502020204030204" pitchFamily="34" charset="0"/>
@@ -9362,7 +9350,7 @@
               <a:t>A </a:t>
             </a:r>
             <a:r>
-              <a:rPr lang="en-GB" sz="2400" dirty="0" err="1">
+              <a:rPr lang="en-GB" sz="1800" dirty="0" err="1">
                 <a:effectLst/>
                 <a:latin typeface="Arial" panose="020B0604020202020204" pitchFamily="34" charset="0"/>
                 <a:ea typeface="Calibri" panose="020F0502020204030204" pitchFamily="34" charset="0"/>
@@ -9370,7 +9358,7 @@
               <a:t>Hashmap</a:t>
             </a:r>
             <a:r>
-              <a:rPr lang="en-GB" sz="2400" dirty="0">
+              <a:rPr lang="en-GB" sz="1800" dirty="0">
                 <a:effectLst/>
                 <a:latin typeface="Arial" panose="020B0604020202020204" pitchFamily="34" charset="0"/>
                 <a:ea typeface="Calibri" panose="020F0502020204030204" pitchFamily="34" charset="0"/>
@@ -9378,13 +9366,13 @@
               <a:t> is created to map the ID of a vector to the corresponding count-min sketch. The broadcast function is used to send this variable to all workers from the driver which reduces communication costs between nodes.  The execution time is 82.62 seconds for epsilon </a:t>
             </a:r>
             <a:r>
-              <a:rPr lang="en-GB" sz="2400" dirty="0">
+              <a:rPr lang="en-GB" sz="1800" dirty="0">
                 <a:latin typeface="Arial" panose="020B0604020202020204" pitchFamily="34" charset="0"/>
                 <a:ea typeface="Calibri" panose="020F0502020204030204" pitchFamily="34" charset="0"/>
               </a:rPr>
               <a:t>= 0.01, delta = 0.1 and tau = 200000.</a:t>
             </a:r>
-            <a:endParaRPr lang="en-GB" sz="2400" dirty="0">
+            <a:endParaRPr lang="en-GB" sz="1800" dirty="0">
               <a:effectLst/>
               <a:latin typeface="Arial" panose="020B0604020202020204" pitchFamily="34" charset="0"/>
               <a:ea typeface="Calibri" panose="020F0502020204030204" pitchFamily="34" charset="0"/>
@@ -9467,7 +9455,7 @@
               <a:defRPr/>
             </a:pPr>
             <a:r>
-              <a:rPr kumimoji="0" lang="en-US" sz="2400" b="0" i="0" u="none" strike="noStrike" kern="1200" cap="none" spc="0" normalizeH="0" baseline="0" noProof="0" dirty="0">
+              <a:rPr kumimoji="0" lang="en-US" sz="1800" b="0" i="0" u="none" strike="noStrike" kern="1200" cap="none" spc="0" normalizeH="0" baseline="0" noProof="0" dirty="0">
                 <a:ln>
                   <a:noFill/>
                 </a:ln>
@@ -9503,7 +9491,7 @@
               <a:defRPr/>
             </a:pPr>
             <a:r>
-              <a:rPr kumimoji="0" lang="en-US" sz="2400" b="0" i="0" u="none" strike="noStrike" kern="1200" cap="none" spc="0" normalizeH="0" baseline="0" noProof="0" dirty="0">
+              <a:rPr kumimoji="0" lang="en-US" sz="1800" b="0" i="0" u="none" strike="noStrike" kern="1200" cap="none" spc="0" normalizeH="0" baseline="0" noProof="0" dirty="0">
                 <a:ln>
                   <a:noFill/>
                 </a:ln>
@@ -9539,7 +9527,7 @@
               <a:defRPr/>
             </a:pPr>
             <a:r>
-              <a:rPr kumimoji="0" lang="en-US" sz="2400" b="0" i="0" u="none" strike="noStrike" kern="1200" cap="none" spc="0" normalizeH="0" baseline="0" noProof="0" dirty="0">
+              <a:rPr kumimoji="0" lang="en-US" sz="1800" b="0" i="0" u="none" strike="noStrike" kern="1200" cap="none" spc="0" normalizeH="0" baseline="0" noProof="0" dirty="0">
                 <a:ln>
                   <a:noFill/>
                 </a:ln>
@@ -9575,7 +9563,7 @@
               <a:defRPr/>
             </a:pPr>
             <a:r>
-              <a:rPr kumimoji="0" lang="en-US" sz="2400" b="0" i="0" u="none" strike="noStrike" kern="1200" cap="none" spc="0" normalizeH="0" baseline="0" noProof="0" dirty="0">
+              <a:rPr kumimoji="0" lang="en-US" sz="1800" b="0" i="0" u="none" strike="noStrike" kern="1200" cap="none" spc="0" normalizeH="0" baseline="0" noProof="0" dirty="0">
                 <a:ln>
                   <a:noFill/>
                 </a:ln>
@@ -9611,7 +9599,7 @@
               <a:defRPr/>
             </a:pPr>
             <a:r>
-              <a:rPr kumimoji="0" lang="en-US" sz="2400" b="0" i="0" u="none" strike="noStrike" kern="1200" cap="none" spc="0" normalizeH="0" baseline="0" noProof="0" dirty="0">
+              <a:rPr kumimoji="0" lang="en-US" sz="1800" b="0" i="0" u="none" strike="noStrike" kern="1200" cap="none" spc="0" normalizeH="0" baseline="0" noProof="0" dirty="0">
                 <a:ln>
                   <a:noFill/>
                 </a:ln>
@@ -9627,7 +9615,7 @@
               </a:rPr>
               <a:t>Approximation techniques are suitable when error bounds are acceptable, while Spark can precisely calculate results.</a:t>
             </a:r>
-            <a:endParaRPr lang="en-US" sz="2400" dirty="0">
+            <a:endParaRPr lang="en-US" sz="1800" dirty="0">
               <a:solidFill>
                 <a:srgbClr val="000000"/>
               </a:solidFill>
@@ -9697,7 +9685,7 @@
         </p:blipFill>
         <p:spPr>
           <a:xfrm>
-            <a:off x="9757991" y="8852105"/>
+            <a:off x="9159349" y="9170511"/>
             <a:ext cx="11583747" cy="1186476"/>
           </a:xfrm>
           <a:prstGeom prst="rect">
@@ -9733,7 +9721,7 @@
         </p:blipFill>
         <p:spPr>
           <a:xfrm>
-            <a:off x="-124520" y="15664679"/>
+            <a:off x="-106587" y="16796889"/>
             <a:ext cx="8389437" cy="5433962"/>
           </a:xfrm>
           <a:prstGeom prst="rect">
@@ -9755,8 +9743,8 @@
         </p:nvSpPr>
         <p:spPr>
           <a:xfrm>
-            <a:off x="243120" y="21381159"/>
-            <a:ext cx="8858376" cy="7468711"/>
+            <a:off x="240286" y="22644467"/>
+            <a:ext cx="8858376" cy="6624891"/>
           </a:xfrm>
           <a:prstGeom prst="rect">
             <a:avLst/>
@@ -9787,7 +9775,7 @@
               <a:defRPr/>
             </a:pPr>
             <a:r>
-              <a:rPr lang="en-US" sz="2400" dirty="0">
+              <a:rPr lang="en-US" sz="1800" dirty="0">
                 <a:effectLst/>
                 <a:latin typeface="Courier New" panose="02070309020205020404" pitchFamily="49" charset="0"/>
                 <a:cs typeface="Courier New" panose="02070309020205020404" pitchFamily="49" charset="0"/>
@@ -9795,7 +9783,7 @@
               <a:t>Function </a:t>
             </a:r>
             <a:r>
-              <a:rPr lang="en-US" sz="2400" dirty="0" err="1">
+              <a:rPr lang="en-US" sz="1800" dirty="0" err="1">
                 <a:effectLst/>
                 <a:latin typeface="Courier New" panose="02070309020205020404" pitchFamily="49" charset="0"/>
                 <a:cs typeface="Courier New" panose="02070309020205020404" pitchFamily="49" charset="0"/>
@@ -9803,7 +9791,7 @@
               <a:t>tripleVariance</a:t>
             </a:r>
             <a:r>
-              <a:rPr lang="en-US" sz="2400" dirty="0">
+              <a:rPr lang="en-US" sz="1800" dirty="0">
                 <a:effectLst/>
                 <a:latin typeface="Courier New" panose="02070309020205020404" pitchFamily="49" charset="0"/>
                 <a:cs typeface="Courier New" panose="02070309020205020404" pitchFamily="49" charset="0"/>
@@ -9811,20 +9799,20 @@
               <a:t>(a1,a2,a3){</a:t>
             </a:r>
             <a:br>
-              <a:rPr lang="en-US" sz="2400" dirty="0">
+              <a:rPr lang="en-US" sz="1800" dirty="0">
                 <a:latin typeface="Courier New" panose="02070309020205020404" pitchFamily="49" charset="0"/>
                 <a:cs typeface="Courier New" panose="02070309020205020404" pitchFamily="49" charset="0"/>
               </a:rPr>
             </a:br>
             <a:r>
-              <a:rPr lang="en-US" sz="2400" dirty="0">
+              <a:rPr lang="en-US" sz="1800" dirty="0">
                 <a:latin typeface="Courier New" panose="02070309020205020404" pitchFamily="49" charset="0"/>
                 <a:cs typeface="Courier New" panose="02070309020205020404" pitchFamily="49" charset="0"/>
               </a:rPr>
               <a:t>    </a:t>
             </a:r>
             <a:r>
-              <a:rPr lang="en-US" sz="2400" dirty="0">
+              <a:rPr lang="en-US" sz="1800" dirty="0">
                 <a:effectLst/>
                 <a:latin typeface="Courier New" panose="02070309020205020404" pitchFamily="49" charset="0"/>
                 <a:cs typeface="Courier New" panose="02070309020205020404" pitchFamily="49" charset="0"/>
@@ -9832,7 +9820,7 @@
               <a:t>for </a:t>
             </a:r>
             <a:r>
-              <a:rPr lang="en-US" sz="2400" dirty="0" err="1">
+              <a:rPr lang="en-US" sz="1800" dirty="0" err="1">
                 <a:effectLst/>
                 <a:latin typeface="Courier New" panose="02070309020205020404" pitchFamily="49" charset="0"/>
                 <a:cs typeface="Courier New" panose="02070309020205020404" pitchFamily="49" charset="0"/>
@@ -9840,7 +9828,7 @@
               <a:t>i</a:t>
             </a:r>
             <a:r>
-              <a:rPr lang="en-US" sz="2400" dirty="0">
+              <a:rPr lang="en-US" sz="1800" dirty="0">
                 <a:effectLst/>
                 <a:latin typeface="Courier New" panose="02070309020205020404" pitchFamily="49" charset="0"/>
                 <a:cs typeface="Courier New" panose="02070309020205020404" pitchFamily="49" charset="0"/>
@@ -9848,20 +9836,20 @@
               <a:t> from 0 to vectorDimensions-1{</a:t>
             </a:r>
             <a:br>
-              <a:rPr lang="en-US" sz="2400" dirty="0">
+              <a:rPr lang="en-US" sz="1800" dirty="0">
                 <a:latin typeface="Courier New" panose="02070309020205020404" pitchFamily="49" charset="0"/>
                 <a:cs typeface="Courier New" panose="02070309020205020404" pitchFamily="49" charset="0"/>
               </a:rPr>
             </a:br>
             <a:r>
-              <a:rPr lang="en-US" sz="2400" dirty="0">
+              <a:rPr lang="en-US" sz="1800" dirty="0">
                 <a:latin typeface="Courier New" panose="02070309020205020404" pitchFamily="49" charset="0"/>
                 <a:cs typeface="Courier New" panose="02070309020205020404" pitchFamily="49" charset="0"/>
               </a:rPr>
               <a:t>        </a:t>
             </a:r>
             <a:r>
-              <a:rPr lang="en-US" sz="2400" dirty="0" err="1">
+              <a:rPr lang="en-US" sz="1800" dirty="0" err="1">
                 <a:effectLst/>
                 <a:latin typeface="Courier New" panose="02070309020205020404" pitchFamily="49" charset="0"/>
                 <a:cs typeface="Courier New" panose="02070309020205020404" pitchFamily="49" charset="0"/>
@@ -9869,7 +9857,7 @@
               <a:t>currentSum</a:t>
             </a:r>
             <a:r>
-              <a:rPr lang="en-US" sz="2400" dirty="0">
+              <a:rPr lang="en-US" sz="1800" dirty="0">
                 <a:effectLst/>
                 <a:latin typeface="Courier New" panose="02070309020205020404" pitchFamily="49" charset="0"/>
                 <a:cs typeface="Courier New" panose="02070309020205020404" pitchFamily="49" charset="0"/>
@@ -9877,7 +9865,7 @@
               <a:t> = a1[</a:t>
             </a:r>
             <a:r>
-              <a:rPr lang="en-US" sz="2400" dirty="0" err="1">
+              <a:rPr lang="en-US" sz="1800" dirty="0" err="1">
                 <a:effectLst/>
                 <a:latin typeface="Courier New" panose="02070309020205020404" pitchFamily="49" charset="0"/>
                 <a:cs typeface="Courier New" panose="02070309020205020404" pitchFamily="49" charset="0"/>
@@ -9885,7 +9873,7 @@
               <a:t>i</a:t>
             </a:r>
             <a:r>
-              <a:rPr lang="en-US" sz="2400" dirty="0">
+              <a:rPr lang="en-US" sz="1800" dirty="0">
                 <a:effectLst/>
                 <a:latin typeface="Courier New" panose="02070309020205020404" pitchFamily="49" charset="0"/>
                 <a:cs typeface="Courier New" panose="02070309020205020404" pitchFamily="49" charset="0"/>
@@ -9893,7 +9881,7 @@
               <a:t>] + a2[</a:t>
             </a:r>
             <a:r>
-              <a:rPr lang="en-US" sz="2400" dirty="0" err="1">
+              <a:rPr lang="en-US" sz="1800" dirty="0" err="1">
                 <a:effectLst/>
                 <a:latin typeface="Courier New" panose="02070309020205020404" pitchFamily="49" charset="0"/>
                 <a:cs typeface="Courier New" panose="02070309020205020404" pitchFamily="49" charset="0"/>
@@ -9901,7 +9889,7 @@
               <a:t>i</a:t>
             </a:r>
             <a:r>
-              <a:rPr lang="en-US" sz="2400" dirty="0">
+              <a:rPr lang="en-US" sz="1800" dirty="0">
                 <a:effectLst/>
                 <a:latin typeface="Courier New" panose="02070309020205020404" pitchFamily="49" charset="0"/>
                 <a:cs typeface="Courier New" panose="02070309020205020404" pitchFamily="49" charset="0"/>
@@ -9909,7 +9897,7 @@
               <a:t>] + a3[</a:t>
             </a:r>
             <a:r>
-              <a:rPr lang="en-US" sz="2400" dirty="0" err="1">
+              <a:rPr lang="en-US" sz="1800" dirty="0" err="1">
                 <a:effectLst/>
                 <a:latin typeface="Courier New" panose="02070309020205020404" pitchFamily="49" charset="0"/>
                 <a:cs typeface="Courier New" panose="02070309020205020404" pitchFamily="49" charset="0"/>
@@ -9917,7 +9905,7 @@
               <a:t>i</a:t>
             </a:r>
             <a:r>
-              <a:rPr lang="en-US" sz="2400" dirty="0">
+              <a:rPr lang="en-US" sz="1800" dirty="0">
                 <a:effectLst/>
                 <a:latin typeface="Courier New" panose="02070309020205020404" pitchFamily="49" charset="0"/>
                 <a:cs typeface="Courier New" panose="02070309020205020404" pitchFamily="49" charset="0"/>
@@ -9925,20 +9913,20 @@
               <a:t>]</a:t>
             </a:r>
             <a:br>
-              <a:rPr lang="en-US" sz="2400" dirty="0">
+              <a:rPr lang="en-US" sz="1800" dirty="0">
                 <a:latin typeface="Courier New" panose="02070309020205020404" pitchFamily="49" charset="0"/>
                 <a:cs typeface="Courier New" panose="02070309020205020404" pitchFamily="49" charset="0"/>
               </a:rPr>
             </a:br>
             <a:r>
-              <a:rPr lang="en-US" sz="2400" dirty="0">
+              <a:rPr lang="en-US" sz="1800" dirty="0">
                 <a:latin typeface="Courier New" panose="02070309020205020404" pitchFamily="49" charset="0"/>
                 <a:cs typeface="Courier New" panose="02070309020205020404" pitchFamily="49" charset="0"/>
               </a:rPr>
               <a:t>        </a:t>
             </a:r>
             <a:r>
-              <a:rPr lang="en-US" sz="2400" dirty="0">
+              <a:rPr lang="en-US" sz="1800" dirty="0">
                 <a:effectLst/>
                 <a:latin typeface="Courier New" panose="02070309020205020404" pitchFamily="49" charset="0"/>
                 <a:cs typeface="Courier New" panose="02070309020205020404" pitchFamily="49" charset="0"/>
@@ -9946,7 +9934,7 @@
               <a:t>mu += </a:t>
             </a:r>
             <a:r>
-              <a:rPr lang="en-US" sz="2400" dirty="0" err="1">
+              <a:rPr lang="en-US" sz="1800" dirty="0" err="1">
                 <a:effectLst/>
                 <a:latin typeface="Courier New" panose="02070309020205020404" pitchFamily="49" charset="0"/>
                 <a:cs typeface="Courier New" panose="02070309020205020404" pitchFamily="49" charset="0"/>
@@ -9954,7 +9942,7 @@
               <a:t>currentSum</a:t>
             </a:r>
             <a:r>
-              <a:rPr lang="en-US" sz="2400" dirty="0">
+              <a:rPr lang="en-US" sz="1800" dirty="0">
                 <a:effectLst/>
                 <a:latin typeface="Courier New" panose="02070309020205020404" pitchFamily="49" charset="0"/>
                 <a:cs typeface="Courier New" panose="02070309020205020404" pitchFamily="49" charset="0"/>
@@ -9962,7 +9950,7 @@
               <a:t> / </a:t>
             </a:r>
             <a:r>
-              <a:rPr lang="en-US" sz="2400" dirty="0" err="1">
+              <a:rPr lang="en-US" sz="1800" dirty="0" err="1">
                 <a:effectLst/>
                 <a:latin typeface="Courier New" panose="02070309020205020404" pitchFamily="49" charset="0"/>
                 <a:cs typeface="Courier New" panose="02070309020205020404" pitchFamily="49" charset="0"/>
@@ -9970,20 +9958,20 @@
               <a:t>vectorDimensions</a:t>
             </a:r>
             <a:br>
-              <a:rPr lang="en-US" sz="2400" dirty="0">
+              <a:rPr lang="en-US" sz="1800" dirty="0">
                 <a:latin typeface="Courier New" panose="02070309020205020404" pitchFamily="49" charset="0"/>
                 <a:cs typeface="Courier New" panose="02070309020205020404" pitchFamily="49" charset="0"/>
               </a:rPr>
             </a:br>
             <a:r>
-              <a:rPr lang="en-US" sz="2400" dirty="0">
+              <a:rPr lang="en-US" sz="1800" dirty="0">
                 <a:latin typeface="Courier New" panose="02070309020205020404" pitchFamily="49" charset="0"/>
                 <a:cs typeface="Courier New" panose="02070309020205020404" pitchFamily="49" charset="0"/>
               </a:rPr>
               <a:t>        </a:t>
             </a:r>
             <a:r>
-              <a:rPr lang="en-US" sz="2400" dirty="0" err="1">
+              <a:rPr lang="en-US" sz="1800" dirty="0" err="1">
                 <a:effectLst/>
                 <a:latin typeface="Courier New" panose="02070309020205020404" pitchFamily="49" charset="0"/>
                 <a:cs typeface="Courier New" panose="02070309020205020404" pitchFamily="49" charset="0"/>
@@ -9991,7 +9979,7 @@
               <a:t>totalSumSquared</a:t>
             </a:r>
             <a:r>
-              <a:rPr lang="en-US" sz="2400" dirty="0">
+              <a:rPr lang="en-US" sz="1800" dirty="0">
                 <a:effectLst/>
                 <a:latin typeface="Courier New" panose="02070309020205020404" pitchFamily="49" charset="0"/>
                 <a:cs typeface="Courier New" panose="02070309020205020404" pitchFamily="49" charset="0"/>
@@ -9999,7 +9987,7 @@
               <a:t> += </a:t>
             </a:r>
             <a:r>
-              <a:rPr lang="en-US" sz="2400" dirty="0" err="1">
+              <a:rPr lang="en-US" sz="1800" dirty="0" err="1">
                 <a:effectLst/>
                 <a:latin typeface="Courier New" panose="02070309020205020404" pitchFamily="49" charset="0"/>
                 <a:cs typeface="Courier New" panose="02070309020205020404" pitchFamily="49" charset="0"/>
@@ -10007,7 +9995,7 @@
               <a:t>currentSum</a:t>
             </a:r>
             <a:r>
-              <a:rPr lang="en-US" sz="2400" dirty="0">
+              <a:rPr lang="en-US" sz="1800" dirty="0">
                 <a:effectLst/>
                 <a:latin typeface="Courier New" panose="02070309020205020404" pitchFamily="49" charset="0"/>
                 <a:cs typeface="Courier New" panose="02070309020205020404" pitchFamily="49" charset="0"/>
@@ -10015,7 +10003,7 @@
               <a:t> * </a:t>
             </a:r>
             <a:r>
-              <a:rPr lang="en-US" sz="2400" dirty="0" err="1">
+              <a:rPr lang="en-US" sz="1800" dirty="0" err="1">
                 <a:effectLst/>
                 <a:latin typeface="Courier New" panose="02070309020205020404" pitchFamily="49" charset="0"/>
                 <a:cs typeface="Courier New" panose="02070309020205020404" pitchFamily="49" charset="0"/>
@@ -10023,20 +10011,20 @@
               <a:t>currentSum</a:t>
             </a:r>
             <a:br>
-              <a:rPr lang="en-US" sz="2400" dirty="0">
+              <a:rPr lang="en-US" sz="1800" dirty="0">
                 <a:latin typeface="Courier New" panose="02070309020205020404" pitchFamily="49" charset="0"/>
                 <a:cs typeface="Courier New" panose="02070309020205020404" pitchFamily="49" charset="0"/>
               </a:rPr>
             </a:br>
             <a:r>
-              <a:rPr lang="en-US" sz="2400" dirty="0">
+              <a:rPr lang="en-US" sz="1800" dirty="0">
                 <a:latin typeface="Courier New" panose="02070309020205020404" pitchFamily="49" charset="0"/>
                 <a:cs typeface="Courier New" panose="02070309020205020404" pitchFamily="49" charset="0"/>
               </a:rPr>
               <a:t>    </a:t>
             </a:r>
             <a:r>
-              <a:rPr lang="en-US" sz="2400" dirty="0">
+              <a:rPr lang="en-US" sz="1800" dirty="0">
                 <a:effectLst/>
                 <a:latin typeface="Courier New" panose="02070309020205020404" pitchFamily="49" charset="0"/>
                 <a:cs typeface="Courier New" panose="02070309020205020404" pitchFamily="49" charset="0"/>
@@ -10044,20 +10032,20 @@
               <a:t>}</a:t>
             </a:r>
             <a:br>
-              <a:rPr lang="en-US" sz="2400" dirty="0">
+              <a:rPr lang="en-US" sz="1800" dirty="0">
                 <a:latin typeface="Courier New" panose="02070309020205020404" pitchFamily="49" charset="0"/>
                 <a:cs typeface="Courier New" panose="02070309020205020404" pitchFamily="49" charset="0"/>
               </a:rPr>
             </a:br>
             <a:r>
-              <a:rPr lang="en-US" sz="2400" dirty="0">
+              <a:rPr lang="en-US" sz="1800" dirty="0">
                 <a:latin typeface="Courier New" panose="02070309020205020404" pitchFamily="49" charset="0"/>
                 <a:cs typeface="Courier New" panose="02070309020205020404" pitchFamily="49" charset="0"/>
               </a:rPr>
               <a:t>    </a:t>
             </a:r>
             <a:r>
-              <a:rPr lang="en-US" sz="2400" dirty="0">
+              <a:rPr lang="en-US" sz="1800" dirty="0">
                 <a:effectLst/>
                 <a:latin typeface="Courier New" panose="02070309020205020404" pitchFamily="49" charset="0"/>
                 <a:cs typeface="Courier New" panose="02070309020205020404" pitchFamily="49" charset="0"/>
@@ -10065,7 +10053,7 @@
               <a:t>return (1/</a:t>
             </a:r>
             <a:r>
-              <a:rPr lang="en-US" sz="2400" dirty="0" err="1">
+              <a:rPr lang="en-US" sz="1800" dirty="0" err="1">
                 <a:effectLst/>
                 <a:latin typeface="Courier New" panose="02070309020205020404" pitchFamily="49" charset="0"/>
                 <a:cs typeface="Courier New" panose="02070309020205020404" pitchFamily="49" charset="0"/>
@@ -10073,7 +10061,7 @@
               <a:t>vectorDimensions</a:t>
             </a:r>
             <a:r>
-              <a:rPr lang="en-US" sz="2400" dirty="0">
+              <a:rPr lang="en-US" sz="1800" dirty="0">
                 <a:effectLst/>
                 <a:latin typeface="Courier New" panose="02070309020205020404" pitchFamily="49" charset="0"/>
                 <a:cs typeface="Courier New" panose="02070309020205020404" pitchFamily="49" charset="0"/>
@@ -10081,7 +10069,7 @@
               <a:t> * </a:t>
             </a:r>
             <a:r>
-              <a:rPr lang="en-US" sz="2400" dirty="0" err="1">
+              <a:rPr lang="en-US" sz="1800" dirty="0" err="1">
                 <a:effectLst/>
                 <a:latin typeface="Courier New" panose="02070309020205020404" pitchFamily="49" charset="0"/>
                 <a:cs typeface="Courier New" panose="02070309020205020404" pitchFamily="49" charset="0"/>
@@ -10089,7 +10077,7 @@
               <a:t>totalSumSquared</a:t>
             </a:r>
             <a:r>
-              <a:rPr lang="en-US" sz="2400" dirty="0">
+              <a:rPr lang="en-US" sz="1800" dirty="0">
                 <a:effectLst/>
                 <a:latin typeface="Courier New" panose="02070309020205020404" pitchFamily="49" charset="0"/>
                 <a:cs typeface="Courier New" panose="02070309020205020404" pitchFamily="49" charset="0"/>
@@ -10116,20 +10104,20 @@
               <a:defRPr/>
             </a:pPr>
             <a:r>
-              <a:rPr lang="en-US" sz="2400" dirty="0">
+              <a:rPr lang="en-US" sz="1800" dirty="0">
                 <a:latin typeface="Courier New" panose="02070309020205020404" pitchFamily="49" charset="0"/>
                 <a:cs typeface="Courier New" panose="02070309020205020404" pitchFamily="49" charset="0"/>
               </a:rPr>
               <a:t>}</a:t>
             </a:r>
             <a:br>
-              <a:rPr lang="en-US" sz="2400" dirty="0">
+              <a:rPr lang="en-US" sz="1800" dirty="0">
                 <a:latin typeface="Courier New" panose="02070309020205020404" pitchFamily="49" charset="0"/>
                 <a:cs typeface="Courier New" panose="02070309020205020404" pitchFamily="49" charset="0"/>
               </a:rPr>
             </a:br>
             <a:r>
-              <a:rPr lang="en-US" sz="2400" dirty="0">
+              <a:rPr lang="en-US" sz="1800" dirty="0">
                 <a:effectLst/>
                 <a:latin typeface="Courier New" panose="02070309020205020404" pitchFamily="49" charset="0"/>
                 <a:cs typeface="Courier New" panose="02070309020205020404" pitchFamily="49" charset="0"/>
@@ -10137,13 +10125,13 @@
               <a:t>SELECT * FROM</a:t>
             </a:r>
             <a:br>
-              <a:rPr lang="en-US" sz="2400" dirty="0">
+              <a:rPr lang="en-US" sz="1800" dirty="0">
                 <a:latin typeface="Courier New" panose="02070309020205020404" pitchFamily="49" charset="0"/>
                 <a:cs typeface="Courier New" panose="02070309020205020404" pitchFamily="49" charset="0"/>
               </a:rPr>
             </a:br>
             <a:r>
-              <a:rPr lang="en-US" sz="2400" dirty="0">
+              <a:rPr lang="en-US" sz="1800" dirty="0">
                 <a:effectLst/>
                 <a:latin typeface="Courier New" panose="02070309020205020404" pitchFamily="49" charset="0"/>
                 <a:cs typeface="Courier New" panose="02070309020205020404" pitchFamily="49" charset="0"/>
@@ -10170,7 +10158,7 @@
               <a:defRPr/>
             </a:pPr>
             <a:r>
-              <a:rPr lang="en-US" sz="2400" dirty="0" err="1">
+              <a:rPr lang="en-US" sz="1800" dirty="0" err="1">
                 <a:effectLst/>
                 <a:latin typeface="Courier New" panose="02070309020205020404" pitchFamily="49" charset="0"/>
                 <a:cs typeface="Courier New" panose="02070309020205020404" pitchFamily="49" charset="0"/>
@@ -10178,7 +10166,7 @@
               <a:t>tripleVariance</a:t>
             </a:r>
             <a:r>
-              <a:rPr lang="en-US" sz="2400" dirty="0">
+              <a:rPr lang="en-US" sz="1800" dirty="0">
                 <a:effectLst/>
                 <a:latin typeface="Courier New" panose="02070309020205020404" pitchFamily="49" charset="0"/>
                 <a:cs typeface="Courier New" panose="02070309020205020404" pitchFamily="49" charset="0"/>
@@ -10186,13 +10174,13 @@
               <a:t>(v1INNER.vec, v2.vec,v3.vec) AS variance</a:t>
             </a:r>
             <a:br>
-              <a:rPr lang="en-US" sz="2400" dirty="0">
+              <a:rPr lang="en-US" sz="1800" dirty="0">
                 <a:latin typeface="Courier New" panose="02070309020205020404" pitchFamily="49" charset="0"/>
                 <a:cs typeface="Courier New" panose="02070309020205020404" pitchFamily="49" charset="0"/>
               </a:rPr>
             </a:br>
             <a:r>
-              <a:rPr lang="en-US" sz="2400" dirty="0">
+              <a:rPr lang="en-US" sz="1800" dirty="0">
                 <a:effectLst/>
                 <a:latin typeface="Courier New" panose="02070309020205020404" pitchFamily="49" charset="0"/>
                 <a:cs typeface="Courier New" panose="02070309020205020404" pitchFamily="49" charset="0"/>
@@ -10200,13 +10188,13 @@
               <a:t>FROM TEMP AS v1</a:t>
             </a:r>
             <a:br>
-              <a:rPr lang="en-US" sz="2400" dirty="0">
+              <a:rPr lang="en-US" sz="1800" dirty="0">
                 <a:latin typeface="Courier New" panose="02070309020205020404" pitchFamily="49" charset="0"/>
                 <a:cs typeface="Courier New" panose="02070309020205020404" pitchFamily="49" charset="0"/>
               </a:rPr>
             </a:br>
             <a:r>
-              <a:rPr lang="en-US" sz="2400" dirty="0">
+              <a:rPr lang="en-US" sz="1800" dirty="0">
                 <a:effectLst/>
                 <a:latin typeface="Courier New" panose="02070309020205020404" pitchFamily="49" charset="0"/>
                 <a:cs typeface="Courier New" panose="02070309020205020404" pitchFamily="49" charset="0"/>
@@ -10214,13 +10202,13 @@
               <a:t>INNER JOIN TEMP AS v2 ON v1INNER.key &lt; v2.key</a:t>
             </a:r>
             <a:br>
-              <a:rPr lang="en-US" sz="2400" dirty="0">
+              <a:rPr lang="en-US" sz="1800" dirty="0">
                 <a:latin typeface="Courier New" panose="02070309020205020404" pitchFamily="49" charset="0"/>
                 <a:cs typeface="Courier New" panose="02070309020205020404" pitchFamily="49" charset="0"/>
               </a:rPr>
             </a:br>
             <a:r>
-              <a:rPr lang="en-US" sz="2400" dirty="0">
+              <a:rPr lang="en-US" sz="1800" dirty="0">
                 <a:effectLst/>
                 <a:latin typeface="Courier New" panose="02070309020205020404" pitchFamily="49" charset="0"/>
                 <a:cs typeface="Courier New" panose="02070309020205020404" pitchFamily="49" charset="0"/>
@@ -10228,13 +10216,13 @@
               <a:t>INNER JOIN TEMP AS v3 ON v2.key &lt; v3.key)</a:t>
             </a:r>
             <a:br>
-              <a:rPr lang="en-US" sz="2400" dirty="0">
+              <a:rPr lang="en-US" sz="1800" dirty="0">
                 <a:latin typeface="Courier New" panose="02070309020205020404" pitchFamily="49" charset="0"/>
                 <a:cs typeface="Courier New" panose="02070309020205020404" pitchFamily="49" charset="0"/>
               </a:rPr>
             </a:br>
             <a:r>
-              <a:rPr lang="en-US" sz="2400" dirty="0">
+              <a:rPr lang="en-US" sz="1800" dirty="0">
                 <a:effectLst/>
                 <a:latin typeface="Courier New" panose="02070309020205020404" pitchFamily="49" charset="0"/>
                 <a:cs typeface="Courier New" panose="02070309020205020404" pitchFamily="49" charset="0"/>
@@ -10242,14 +10230,14 @@
               <a:t>WHERE variance &lt; </a:t>
             </a:r>
             <a:r>
-              <a:rPr lang="en-US" sz="2400" dirty="0" err="1">
+              <a:rPr lang="en-US" sz="1800" dirty="0" err="1">
                 <a:effectLst/>
                 <a:latin typeface="Courier New" panose="02070309020205020404" pitchFamily="49" charset="0"/>
                 <a:cs typeface="Courier New" panose="02070309020205020404" pitchFamily="49" charset="0"/>
               </a:rPr>
               <a:t>tauParameter</a:t>
             </a:r>
-            <a:endParaRPr lang="en-GB" sz="2400" dirty="0">
+            <a:endParaRPr lang="en-GB" sz="1800" dirty="0">
               <a:latin typeface="Courier New" panose="02070309020205020404" pitchFamily="49" charset="0"/>
               <a:cs typeface="Courier New" panose="02070309020205020404" pitchFamily="49" charset="0"/>
             </a:endParaRPr>
@@ -10306,7 +10294,7 @@
         </p:nvSpPr>
         <p:spPr bwMode="auto">
           <a:xfrm rot="16200000">
-            <a:off x="1859846" y="10189183"/>
+            <a:off x="1887988" y="10574644"/>
             <a:ext cx="432048" cy="360040"/>
           </a:xfrm>
           <a:prstGeom prst="rightArrow">
@@ -10379,7 +10367,7 @@
         </p:nvSpPr>
         <p:spPr bwMode="auto">
           <a:xfrm>
-            <a:off x="600157" y="10692771"/>
+            <a:off x="628299" y="11078232"/>
             <a:ext cx="3211868" cy="711172"/>
           </a:xfrm>
           <a:prstGeom prst="rect">
@@ -10473,7 +10461,7 @@
         </p:nvSpPr>
         <p:spPr bwMode="auto">
           <a:xfrm rot="5400000">
-            <a:off x="6725483" y="10161071"/>
+            <a:off x="6753625" y="10546532"/>
             <a:ext cx="432048" cy="360040"/>
           </a:xfrm>
           <a:prstGeom prst="rightArrow">
@@ -10552,7 +10540,7 @@
         </p:blipFill>
         <p:spPr>
           <a:xfrm>
-            <a:off x="12006764" y="17153544"/>
+            <a:off x="10094935" y="16979319"/>
             <a:ext cx="9179864" cy="4430083"/>
           </a:xfrm>
           <a:prstGeom prst="rect">
@@ -10612,7 +10600,7 @@
         </p:blipFill>
         <p:spPr>
           <a:xfrm>
-            <a:off x="8519380" y="23560047"/>
+            <a:off x="8253024" y="23760452"/>
             <a:ext cx="12863686" cy="1761903"/>
           </a:xfrm>
           <a:prstGeom prst="rect">
